--- a/Bilder/ohm.pptx
+++ b/Bilder/ohm.pptx
@@ -1074,8 +1074,8 @@
         </a:p>
       </dgm:t>
     </dgm:pt>
-    <mc:AlternateContent xmlns:mc="http://schemas.openxmlformats.org/markup-compatibility/2006">
-      <mc:Choice xmlns:a14="http://schemas.microsoft.com/office/drawing/2010/main" Requires="a14">
+    <mc:AlternateContent xmlns:mc="http://schemas.openxmlformats.org/markup-compatibility/2006" xmlns:a14="http://schemas.microsoft.com/office/drawing/2010/main">
+      <mc:Choice Requires="a14">
         <dgm:pt modelId="{56B3754D-F48B-364D-9B45-CD6BE04AE5DB}">
           <dgm:prSet phldrT="[Text]" custT="1"/>
           <dgm:spPr/>
@@ -1124,7 +1124,7 @@
           </dgm:t>
         </dgm:pt>
       </mc:Choice>
-      <mc:Fallback>
+      <mc:Fallback xmlns="">
         <dgm:pt modelId="{56B3754D-F48B-364D-9B45-CD6BE04AE5DB}">
           <dgm:prSet phldrT="[Text]" custT="1"/>
           <dgm:spPr/>
@@ -1400,8 +1400,8 @@
         </a:p>
       </dgm:t>
     </dgm:pt>
-    <mc:AlternateContent xmlns:mc="http://schemas.openxmlformats.org/markup-compatibility/2006">
-      <mc:Choice xmlns:a14="http://schemas.microsoft.com/office/drawing/2010/main" Requires="a14">
+    <mc:AlternateContent xmlns:mc="http://schemas.openxmlformats.org/markup-compatibility/2006" xmlns:a14="http://schemas.microsoft.com/office/drawing/2010/main">
+      <mc:Choice Requires="a14">
         <dgm:pt modelId="{5B58B039-5676-0F44-AD05-A99A346F4A98}">
           <dgm:prSet phldrT="[Text]" custT="1"/>
           <dgm:spPr/>
@@ -1450,7 +1450,7 @@
           </dgm:t>
         </dgm:pt>
       </mc:Choice>
-      <mc:Fallback>
+      <mc:Fallback xmlns="">
         <dgm:pt modelId="{5B58B039-5676-0F44-AD05-A99A346F4A98}">
           <dgm:prSet phldrT="[Text]" custT="1"/>
           <dgm:spPr/>
@@ -1552,8 +1552,8 @@
         </a:p>
       </dgm:t>
     </dgm:pt>
-    <mc:AlternateContent xmlns:mc="http://schemas.openxmlformats.org/markup-compatibility/2006">
-      <mc:Choice xmlns:a14="http://schemas.microsoft.com/office/drawing/2010/main" Requires="a14">
+    <mc:AlternateContent xmlns:mc="http://schemas.openxmlformats.org/markup-compatibility/2006" xmlns:a14="http://schemas.microsoft.com/office/drawing/2010/main">
+      <mc:Choice Requires="a14">
         <dgm:pt modelId="{3BFF8B23-9A2B-4044-B250-20BBE933FAF3}">
           <dgm:prSet phldrT="[Text]" custT="1"/>
           <dgm:spPr/>
@@ -1620,7 +1620,7 @@
           </dgm:t>
         </dgm:pt>
       </mc:Choice>
-      <mc:Fallback>
+      <mc:Fallback xmlns="">
         <dgm:pt modelId="{3BFF8B23-9A2B-4044-B250-20BBE933FAF3}">
           <dgm:prSet phldrT="[Text]" custT="1"/>
           <dgm:spPr/>
@@ -1758,8 +1758,8 @@
         </a:p>
       </dgm:t>
     </dgm:pt>
-    <mc:AlternateContent xmlns:mc="http://schemas.openxmlformats.org/markup-compatibility/2006">
-      <mc:Choice xmlns:a14="http://schemas.microsoft.com/office/drawing/2010/main" Requires="a14">
+    <mc:AlternateContent xmlns:mc="http://schemas.openxmlformats.org/markup-compatibility/2006" xmlns:a14="http://schemas.microsoft.com/office/drawing/2010/main">
+      <mc:Choice Requires="a14">
         <dgm:pt modelId="{827924B5-C793-AD4F-93D5-34B035C3CAC5}">
           <dgm:prSet phldrT="[Text]" custT="1"/>
           <dgm:spPr/>
@@ -1857,7 +1857,7 @@
           </dgm:t>
         </dgm:pt>
       </mc:Choice>
-      <mc:Fallback>
+      <mc:Fallback xmlns="">
         <dgm:pt modelId="{827924B5-C793-AD4F-93D5-34B035C3CAC5}">
           <dgm:prSet phldrT="[Text]" custT="1"/>
           <dgm:spPr/>
@@ -7147,7 +7147,7 @@
           <a:p>
             <a:fld id="{D5377839-8287-B843-8939-AE3E8451768E}" type="datetimeFigureOut">
               <a:rPr lang="de-DE" smtClean="0"/>
-              <a:t>15.08.24</a:t>
+              <a:t>16.08.24</a:t>
             </a:fld>
             <a:endParaRPr lang="de-DE"/>
           </a:p>
@@ -7645,7 +7645,7 @@
           <a:p>
             <a:fld id="{A958AAC0-BA25-4746-ADFC-CA382881799D}" type="datetimeFigureOut">
               <a:rPr lang="de-DE" smtClean="0"/>
-              <a:t>15.08.24</a:t>
+              <a:t>16.08.24</a:t>
             </a:fld>
             <a:endParaRPr lang="de-DE"/>
           </a:p>
@@ -7843,7 +7843,7 @@
           <a:p>
             <a:fld id="{A958AAC0-BA25-4746-ADFC-CA382881799D}" type="datetimeFigureOut">
               <a:rPr lang="de-DE" smtClean="0"/>
-              <a:t>15.08.24</a:t>
+              <a:t>16.08.24</a:t>
             </a:fld>
             <a:endParaRPr lang="de-DE"/>
           </a:p>
@@ -8051,7 +8051,7 @@
           <a:p>
             <a:fld id="{A958AAC0-BA25-4746-ADFC-CA382881799D}" type="datetimeFigureOut">
               <a:rPr lang="de-DE" smtClean="0"/>
-              <a:t>15.08.24</a:t>
+              <a:t>16.08.24</a:t>
             </a:fld>
             <a:endParaRPr lang="de-DE"/>
           </a:p>
@@ -8249,7 +8249,7 @@
           <a:p>
             <a:fld id="{A958AAC0-BA25-4746-ADFC-CA382881799D}" type="datetimeFigureOut">
               <a:rPr lang="de-DE" smtClean="0"/>
-              <a:t>15.08.24</a:t>
+              <a:t>16.08.24</a:t>
             </a:fld>
             <a:endParaRPr lang="de-DE"/>
           </a:p>
@@ -8524,7 +8524,7 @@
           <a:p>
             <a:fld id="{A958AAC0-BA25-4746-ADFC-CA382881799D}" type="datetimeFigureOut">
               <a:rPr lang="de-DE" smtClean="0"/>
-              <a:t>15.08.24</a:t>
+              <a:t>16.08.24</a:t>
             </a:fld>
             <a:endParaRPr lang="de-DE"/>
           </a:p>
@@ -8789,7 +8789,7 @@
           <a:p>
             <a:fld id="{A958AAC0-BA25-4746-ADFC-CA382881799D}" type="datetimeFigureOut">
               <a:rPr lang="de-DE" smtClean="0"/>
-              <a:t>15.08.24</a:t>
+              <a:t>16.08.24</a:t>
             </a:fld>
             <a:endParaRPr lang="de-DE"/>
           </a:p>
@@ -9201,7 +9201,7 @@
           <a:p>
             <a:fld id="{A958AAC0-BA25-4746-ADFC-CA382881799D}" type="datetimeFigureOut">
               <a:rPr lang="de-DE" smtClean="0"/>
-              <a:t>15.08.24</a:t>
+              <a:t>16.08.24</a:t>
             </a:fld>
             <a:endParaRPr lang="de-DE"/>
           </a:p>
@@ -9342,7 +9342,7 @@
           <a:p>
             <a:fld id="{A958AAC0-BA25-4746-ADFC-CA382881799D}" type="datetimeFigureOut">
               <a:rPr lang="de-DE" smtClean="0"/>
-              <a:t>15.08.24</a:t>
+              <a:t>16.08.24</a:t>
             </a:fld>
             <a:endParaRPr lang="de-DE"/>
           </a:p>
@@ -9455,7 +9455,7 @@
           <a:p>
             <a:fld id="{A958AAC0-BA25-4746-ADFC-CA382881799D}" type="datetimeFigureOut">
               <a:rPr lang="de-DE" smtClean="0"/>
-              <a:t>15.08.24</a:t>
+              <a:t>16.08.24</a:t>
             </a:fld>
             <a:endParaRPr lang="de-DE"/>
           </a:p>
@@ -9766,7 +9766,7 @@
           <a:p>
             <a:fld id="{A958AAC0-BA25-4746-ADFC-CA382881799D}" type="datetimeFigureOut">
               <a:rPr lang="de-DE" smtClean="0"/>
-              <a:t>15.08.24</a:t>
+              <a:t>16.08.24</a:t>
             </a:fld>
             <a:endParaRPr lang="de-DE"/>
           </a:p>
@@ -10054,7 +10054,7 @@
           <a:p>
             <a:fld id="{A958AAC0-BA25-4746-ADFC-CA382881799D}" type="datetimeFigureOut">
               <a:rPr lang="de-DE" smtClean="0"/>
-              <a:t>15.08.24</a:t>
+              <a:t>16.08.24</a:t>
             </a:fld>
             <a:endParaRPr lang="de-DE"/>
           </a:p>
@@ -10295,7 +10295,7 @@
           <a:p>
             <a:fld id="{A958AAC0-BA25-4746-ADFC-CA382881799D}" type="datetimeFigureOut">
               <a:rPr lang="de-DE" smtClean="0"/>
-              <a:t>15.08.24</a:t>
+              <a:t>16.08.24</a:t>
             </a:fld>
             <a:endParaRPr lang="de-DE"/>
           </a:p>
@@ -10712,56 +10712,246 @@
           <a:chExt cx="0" cy="0"/>
         </a:xfrm>
       </p:grpSpPr>
-      <p:sp>
-        <p:nvSpPr>
-          <p:cNvPr id="2" name="Titel 1">
+      <p:pic>
+        <p:nvPicPr>
+          <p:cNvPr id="4" name="Grafik 3">
             <a:extLst>
               <a:ext uri="{FF2B5EF4-FFF2-40B4-BE49-F238E27FC236}">
-                <a16:creationId xmlns:a16="http://schemas.microsoft.com/office/drawing/2014/main" id="{1122FA21-ADBB-682E-F583-F1E70EB5499C}"/>
+                <a16:creationId xmlns:a16="http://schemas.microsoft.com/office/drawing/2014/main" id="{184727CF-A080-8474-28AA-AE34E0A68DBB}"/>
               </a:ext>
             </a:extLst>
           </p:cNvPr>
-          <p:cNvSpPr>
-            <a:spLocks noGrp="1"/>
-          </p:cNvSpPr>
-          <p:nvPr>
-            <p:ph type="ctrTitle"/>
-          </p:nvPr>
+          <p:cNvPicPr>
+            <a:picLocks noChangeAspect="1"/>
+          </p:cNvPicPr>
+          <p:nvPr/>
+        </p:nvPicPr>
+        <p:blipFill>
+          <a:blip r:embed="rId2"/>
+          <a:stretch>
+            <a:fillRect/>
+          </a:stretch>
+        </p:blipFill>
+        <p:spPr>
+          <a:xfrm>
+            <a:off x="2209800" y="1603809"/>
+            <a:ext cx="7772400" cy="4223214"/>
+          </a:xfrm>
+          <a:prstGeom prst="rect">
+            <a:avLst/>
+          </a:prstGeom>
+          <a:ln>
+            <a:solidFill>
+              <a:schemeClr val="tx1"/>
+            </a:solidFill>
+            <a:prstDash val="sysDot"/>
+          </a:ln>
+        </p:spPr>
+      </p:pic>
+      <p:sp>
+        <p:nvSpPr>
+          <p:cNvPr id="5" name="Geschweifte Klammer rechts 4">
+            <a:extLst>
+              <a:ext uri="{FF2B5EF4-FFF2-40B4-BE49-F238E27FC236}">
+                <a16:creationId xmlns:a16="http://schemas.microsoft.com/office/drawing/2014/main" id="{73DC6513-F412-C657-6A7E-2A9FAD42BA2A}"/>
+              </a:ext>
+            </a:extLst>
+          </p:cNvPr>
+          <p:cNvSpPr/>
+          <p:nvPr/>
         </p:nvSpPr>
-        <p:spPr/>
+        <p:spPr>
+          <a:xfrm rot="16200000">
+            <a:off x="5446698" y="-1150218"/>
+            <a:ext cx="285146" cy="5222908"/>
+          </a:xfrm>
+          <a:prstGeom prst="rightBrace">
+            <a:avLst/>
+          </a:prstGeom>
+          <a:ln>
+            <a:solidFill>
+              <a:schemeClr val="tx1"/>
+            </a:solidFill>
+          </a:ln>
+        </p:spPr>
+        <p:style>
+          <a:lnRef idx="2">
+            <a:schemeClr val="accent1"/>
+          </a:lnRef>
+          <a:fillRef idx="0">
+            <a:schemeClr val="accent1"/>
+          </a:fillRef>
+          <a:effectRef idx="1">
+            <a:schemeClr val="accent1"/>
+          </a:effectRef>
+          <a:fontRef idx="minor">
+            <a:schemeClr val="tx1"/>
+          </a:fontRef>
+        </p:style>
         <p:txBody>
-          <a:bodyPr/>
+          <a:bodyPr rtlCol="0" anchor="ctr"/>
           <a:lstStyle/>
           <a:p>
-            <a:endParaRPr lang="de-DE"/>
+            <a:pPr algn="ctr"/>
+            <a:endParaRPr lang="de-DE" dirty="0"/>
           </a:p>
         </p:txBody>
       </p:sp>
       <p:sp>
         <p:nvSpPr>
-          <p:cNvPr id="3" name="Untertitel 2">
+          <p:cNvPr id="6" name="Geschweifte Klammer rechts 5">
             <a:extLst>
               <a:ext uri="{FF2B5EF4-FFF2-40B4-BE49-F238E27FC236}">
-                <a16:creationId xmlns:a16="http://schemas.microsoft.com/office/drawing/2014/main" id="{70411A88-EF4A-3E75-643F-495C40DD3853}"/>
+                <a16:creationId xmlns:a16="http://schemas.microsoft.com/office/drawing/2014/main" id="{684DE197-0530-F541-7B80-7714A766C707}"/>
               </a:ext>
             </a:extLst>
           </p:cNvPr>
-          <p:cNvSpPr>
-            <a:spLocks noGrp="1"/>
-          </p:cNvSpPr>
-          <p:nvPr>
-            <p:ph type="subTitle" idx="1"/>
-          </p:nvPr>
+          <p:cNvSpPr/>
+          <p:nvPr/>
         </p:nvSpPr>
-        <p:spPr/>
+        <p:spPr>
+          <a:xfrm rot="16200000">
+            <a:off x="8979271" y="600875"/>
+            <a:ext cx="285146" cy="1720717"/>
+          </a:xfrm>
+          <a:prstGeom prst="rightBrace">
+            <a:avLst/>
+          </a:prstGeom>
+          <a:ln>
+            <a:solidFill>
+              <a:schemeClr val="tx1"/>
+            </a:solidFill>
+          </a:ln>
+        </p:spPr>
+        <p:style>
+          <a:lnRef idx="2">
+            <a:schemeClr val="accent1"/>
+          </a:lnRef>
+          <a:fillRef idx="0">
+            <a:schemeClr val="accent1"/>
+          </a:fillRef>
+          <a:effectRef idx="1">
+            <a:schemeClr val="accent1"/>
+          </a:effectRef>
+          <a:fontRef idx="minor">
+            <a:schemeClr val="tx1"/>
+          </a:fontRef>
+        </p:style>
         <p:txBody>
-          <a:bodyPr/>
+          <a:bodyPr rtlCol="0" anchor="ctr"/>
           <a:lstStyle/>
           <a:p>
-            <a:endParaRPr lang="de-DE"/>
+            <a:pPr algn="ctr"/>
+            <a:endParaRPr lang="de-DE" dirty="0"/>
           </a:p>
         </p:txBody>
       </p:sp>
+      <p:sp>
+        <p:nvSpPr>
+          <p:cNvPr id="7" name="Textfeld 6">
+            <a:extLst>
+              <a:ext uri="{FF2B5EF4-FFF2-40B4-BE49-F238E27FC236}">
+                <a16:creationId xmlns:a16="http://schemas.microsoft.com/office/drawing/2014/main" id="{299DE450-DF93-A26B-491A-CD162CBD5CAD}"/>
+              </a:ext>
+            </a:extLst>
+          </p:cNvPr>
+          <p:cNvSpPr txBox="1"/>
+          <p:nvPr/>
+        </p:nvSpPr>
+        <p:spPr>
+          <a:xfrm>
+            <a:off x="4600859" y="1039511"/>
+            <a:ext cx="1976823" cy="307777"/>
+          </a:xfrm>
+          <a:prstGeom prst="rect">
+            <a:avLst/>
+          </a:prstGeom>
+          <a:noFill/>
+        </p:spPr>
+        <p:txBody>
+          <a:bodyPr wrap="none" rtlCol="0">
+            <a:spAutoFit/>
+          </a:bodyPr>
+          <a:lstStyle/>
+          <a:p>
+            <a:pPr algn="ctr"/>
+            <a:r>
+              <a:rPr lang="de-DE" sz="1400" dirty="0">
+                <a:latin typeface="Fira Sans" panose="020B0503050000020004" pitchFamily="34" charset="0"/>
+              </a:rPr>
+              <a:t>sehr informativer Text</a:t>
+            </a:r>
+          </a:p>
+        </p:txBody>
+      </p:sp>
+      <p:sp>
+        <p:nvSpPr>
+          <p:cNvPr id="8" name="Textfeld 7">
+            <a:extLst>
+              <a:ext uri="{FF2B5EF4-FFF2-40B4-BE49-F238E27FC236}">
+                <a16:creationId xmlns:a16="http://schemas.microsoft.com/office/drawing/2014/main" id="{A09DC4AC-F828-2F16-A9BA-46422E3C894C}"/>
+              </a:ext>
+            </a:extLst>
+          </p:cNvPr>
+          <p:cNvSpPr txBox="1"/>
+          <p:nvPr/>
+        </p:nvSpPr>
+        <p:spPr>
+          <a:xfrm>
+            <a:off x="8058091" y="1037589"/>
+            <a:ext cx="2127505" cy="307777"/>
+          </a:xfrm>
+          <a:prstGeom prst="rect">
+            <a:avLst/>
+          </a:prstGeom>
+          <a:noFill/>
+        </p:spPr>
+        <p:txBody>
+          <a:bodyPr wrap="none" rtlCol="0">
+            <a:spAutoFit/>
+          </a:bodyPr>
+          <a:lstStyle/>
+          <a:p>
+            <a:pPr algn="ctr"/>
+            <a:r>
+              <a:rPr lang="de-DE" sz="1400" dirty="0">
+                <a:latin typeface="Fira Sans" panose="020B0503050000020004" pitchFamily="34" charset="0"/>
+              </a:rPr>
+              <a:t>Platz für eigene Notizen</a:t>
+            </a:r>
+          </a:p>
+        </p:txBody>
+      </p:sp>
+      <p:pic>
+        <p:nvPicPr>
+          <p:cNvPr id="10" name="Grafik 9" descr="Ein Bild, das Handschrift, Schrift, Kalligrafie, Typografie enthält.&#10;&#10;Automatisch generierte Beschreibung">
+            <a:extLst>
+              <a:ext uri="{FF2B5EF4-FFF2-40B4-BE49-F238E27FC236}">
+                <a16:creationId xmlns:a16="http://schemas.microsoft.com/office/drawing/2014/main" id="{9785B4FA-E3F3-ED8B-DE52-537CB771F770}"/>
+              </a:ext>
+            </a:extLst>
+          </p:cNvPr>
+          <p:cNvPicPr>
+            <a:picLocks noChangeAspect="1"/>
+          </p:cNvPicPr>
+          <p:nvPr/>
+        </p:nvPicPr>
+        <p:blipFill>
+          <a:blip r:embed="rId3"/>
+          <a:stretch>
+            <a:fillRect/>
+          </a:stretch>
+        </p:blipFill>
+        <p:spPr>
+          <a:xfrm>
+            <a:off x="8203534" y="4383851"/>
+            <a:ext cx="1588168" cy="741752"/>
+          </a:xfrm>
+          <a:prstGeom prst="rect">
+            <a:avLst/>
+          </a:prstGeom>
+        </p:spPr>
+      </p:pic>
     </p:spTree>
     <p:extLst>
       <p:ext uri="{BB962C8B-B14F-4D97-AF65-F5344CB8AC3E}">
@@ -10792,8 +10982,8 @@
           <a:chExt cx="0" cy="0"/>
         </a:xfrm>
       </p:grpSpPr>
-      <mc:AlternateContent xmlns:mc="http://schemas.openxmlformats.org/markup-compatibility/2006">
-        <mc:Choice xmlns:a14="http://schemas.microsoft.com/office/drawing/2010/main" Requires="a14">
+      <mc:AlternateContent xmlns:mc="http://schemas.openxmlformats.org/markup-compatibility/2006" xmlns:a14="http://schemas.microsoft.com/office/drawing/2010/main">
+        <mc:Choice Requires="a14">
           <p:graphicFrame>
             <p:nvGraphicFramePr>
               <p:cNvPr id="3" name="Diagramm 2">
@@ -10823,7 +11013,7 @@
             </a:graphic>
           </p:graphicFrame>
         </mc:Choice>
-        <mc:Fallback>
+        <mc:Fallback xmlns="">
           <p:graphicFrame>
             <p:nvGraphicFramePr>
               <p:cNvPr id="3" name="Diagramm 2">
@@ -10848,7 +11038,7 @@
             </p:xfrm>
             <a:graphic>
               <a:graphicData uri="http://schemas.openxmlformats.org/drawingml/2006/diagram">
-                <dgm:relIds xmlns:dgm="http://schemas.openxmlformats.org/drawingml/2006/diagram" xmlns:r="http://schemas.openxmlformats.org/officeDocument/2006/relationships" r:dm="rId8" r:lo="rId4" r:qs="rId5" r:cs="rId6"/>
+                <dgm:relIds xmlns:dgm="http://schemas.openxmlformats.org/drawingml/2006/diagram" xmlns:r="http://schemas.openxmlformats.org/officeDocument/2006/relationships" r:dm="rId8" r:lo="rId9" r:qs="rId10" r:cs="rId11"/>
               </a:graphicData>
             </a:graphic>
           </p:graphicFrame>
